--- a/进化算法/交叉/两点交叉 .pptx
+++ b/进化算法/交叉/两点交叉 .pptx
@@ -154,10 +154,9 @@
           </a:lstStyle>
           <a:p>
             <a:r>
-              <a:rPr lang="zh-CN" altLang="en-US" smtClean="0"/>
+              <a:rPr lang="zh-CN" altLang="en-US"/>
               <a:t>单击此处编辑母版标题样式</a:t>
             </a:r>
-            <a:endParaRPr lang="zh-CN" altLang="en-US"/>
           </a:p>
         </p:txBody>
       </p:sp>
@@ -219,10 +218,9 @@
           </a:lstStyle>
           <a:p>
             <a:r>
-              <a:rPr lang="zh-CN" altLang="en-US" smtClean="0"/>
+              <a:rPr lang="zh-CN" altLang="en-US"/>
               <a:t>单击以编辑母版副标题样式</a:t>
             </a:r>
-            <a:endParaRPr lang="zh-CN" altLang="en-US"/>
           </a:p>
         </p:txBody>
       </p:sp>
@@ -243,7 +241,7 @@
           <a:p>
             <a:fld id="{040B7C12-11E1-412E-B2DA-388387B615FD}" type="datetimeFigureOut">
               <a:rPr lang="zh-CN" altLang="en-US" smtClean="0"/>
-              <a:t>2019/11/18</a:t>
+              <a:t>2019/11/30</a:t>
             </a:fld>
             <a:endParaRPr lang="zh-CN" altLang="en-US"/>
           </a:p>
@@ -337,10 +335,9 @@
           <a:lstStyle/>
           <a:p>
             <a:r>
-              <a:rPr lang="zh-CN" altLang="en-US" smtClean="0"/>
+              <a:rPr lang="zh-CN" altLang="en-US"/>
               <a:t>单击此处编辑母版标题样式</a:t>
             </a:r>
-            <a:endParaRPr lang="zh-CN" altLang="en-US"/>
           </a:p>
         </p:txBody>
       </p:sp>
@@ -361,38 +358,37 @@
           <a:p>
             <a:pPr lvl="0"/>
             <a:r>
-              <a:rPr lang="zh-CN" altLang="en-US" smtClean="0"/>
+              <a:rPr lang="zh-CN" altLang="en-US"/>
               <a:t>编辑母版文本样式</a:t>
             </a:r>
           </a:p>
           <a:p>
             <a:pPr lvl="1"/>
             <a:r>
-              <a:rPr lang="zh-CN" altLang="en-US" smtClean="0"/>
+              <a:rPr lang="zh-CN" altLang="en-US"/>
               <a:t>第二级</a:t>
             </a:r>
           </a:p>
           <a:p>
             <a:pPr lvl="2"/>
             <a:r>
-              <a:rPr lang="zh-CN" altLang="en-US" smtClean="0"/>
+              <a:rPr lang="zh-CN" altLang="en-US"/>
               <a:t>第三级</a:t>
             </a:r>
           </a:p>
           <a:p>
             <a:pPr lvl="3"/>
             <a:r>
-              <a:rPr lang="zh-CN" altLang="en-US" smtClean="0"/>
+              <a:rPr lang="zh-CN" altLang="en-US"/>
               <a:t>第四级</a:t>
             </a:r>
           </a:p>
           <a:p>
             <a:pPr lvl="4"/>
             <a:r>
-              <a:rPr lang="zh-CN" altLang="en-US" smtClean="0"/>
+              <a:rPr lang="zh-CN" altLang="en-US"/>
               <a:t>第五级</a:t>
             </a:r>
-            <a:endParaRPr lang="zh-CN" altLang="en-US"/>
           </a:p>
         </p:txBody>
       </p:sp>
@@ -413,7 +409,7 @@
           <a:p>
             <a:fld id="{040B7C12-11E1-412E-B2DA-388387B615FD}" type="datetimeFigureOut">
               <a:rPr lang="zh-CN" altLang="en-US" smtClean="0"/>
-              <a:t>2019/11/18</a:t>
+              <a:t>2019/11/30</a:t>
             </a:fld>
             <a:endParaRPr lang="zh-CN" altLang="en-US"/>
           </a:p>
@@ -512,10 +508,9 @@
           <a:lstStyle/>
           <a:p>
             <a:r>
-              <a:rPr lang="zh-CN" altLang="en-US" smtClean="0"/>
+              <a:rPr lang="zh-CN" altLang="en-US"/>
               <a:t>单击此处编辑母版标题样式</a:t>
             </a:r>
-            <a:endParaRPr lang="zh-CN" altLang="en-US"/>
           </a:p>
         </p:txBody>
       </p:sp>
@@ -541,38 +536,37 @@
           <a:p>
             <a:pPr lvl="0"/>
             <a:r>
-              <a:rPr lang="zh-CN" altLang="en-US" smtClean="0"/>
+              <a:rPr lang="zh-CN" altLang="en-US"/>
               <a:t>编辑母版文本样式</a:t>
             </a:r>
           </a:p>
           <a:p>
             <a:pPr lvl="1"/>
             <a:r>
-              <a:rPr lang="zh-CN" altLang="en-US" smtClean="0"/>
+              <a:rPr lang="zh-CN" altLang="en-US"/>
               <a:t>第二级</a:t>
             </a:r>
           </a:p>
           <a:p>
             <a:pPr lvl="2"/>
             <a:r>
-              <a:rPr lang="zh-CN" altLang="en-US" smtClean="0"/>
+              <a:rPr lang="zh-CN" altLang="en-US"/>
               <a:t>第三级</a:t>
             </a:r>
           </a:p>
           <a:p>
             <a:pPr lvl="3"/>
             <a:r>
-              <a:rPr lang="zh-CN" altLang="en-US" smtClean="0"/>
+              <a:rPr lang="zh-CN" altLang="en-US"/>
               <a:t>第四级</a:t>
             </a:r>
           </a:p>
           <a:p>
             <a:pPr lvl="4"/>
             <a:r>
-              <a:rPr lang="zh-CN" altLang="en-US" smtClean="0"/>
+              <a:rPr lang="zh-CN" altLang="en-US"/>
               <a:t>第五级</a:t>
             </a:r>
-            <a:endParaRPr lang="zh-CN" altLang="en-US"/>
           </a:p>
         </p:txBody>
       </p:sp>
@@ -593,7 +587,7 @@
           <a:p>
             <a:fld id="{040B7C12-11E1-412E-B2DA-388387B615FD}" type="datetimeFigureOut">
               <a:rPr lang="zh-CN" altLang="en-US" smtClean="0"/>
-              <a:t>2019/11/18</a:t>
+              <a:t>2019/11/30</a:t>
             </a:fld>
             <a:endParaRPr lang="zh-CN" altLang="en-US"/>
           </a:p>
@@ -687,10 +681,9 @@
           <a:lstStyle/>
           <a:p>
             <a:r>
-              <a:rPr lang="zh-CN" altLang="en-US" smtClean="0"/>
+              <a:rPr lang="zh-CN" altLang="en-US"/>
               <a:t>单击此处编辑母版标题样式</a:t>
             </a:r>
-            <a:endParaRPr lang="zh-CN" altLang="en-US"/>
           </a:p>
         </p:txBody>
       </p:sp>
@@ -711,38 +704,37 @@
           <a:p>
             <a:pPr lvl="0"/>
             <a:r>
-              <a:rPr lang="zh-CN" altLang="en-US" smtClean="0"/>
+              <a:rPr lang="zh-CN" altLang="en-US"/>
               <a:t>编辑母版文本样式</a:t>
             </a:r>
           </a:p>
           <a:p>
             <a:pPr lvl="1"/>
             <a:r>
-              <a:rPr lang="zh-CN" altLang="en-US" smtClean="0"/>
+              <a:rPr lang="zh-CN" altLang="en-US"/>
               <a:t>第二级</a:t>
             </a:r>
           </a:p>
           <a:p>
             <a:pPr lvl="2"/>
             <a:r>
-              <a:rPr lang="zh-CN" altLang="en-US" smtClean="0"/>
+              <a:rPr lang="zh-CN" altLang="en-US"/>
               <a:t>第三级</a:t>
             </a:r>
           </a:p>
           <a:p>
             <a:pPr lvl="3"/>
             <a:r>
-              <a:rPr lang="zh-CN" altLang="en-US" smtClean="0"/>
+              <a:rPr lang="zh-CN" altLang="en-US"/>
               <a:t>第四级</a:t>
             </a:r>
           </a:p>
           <a:p>
             <a:pPr lvl="4"/>
             <a:r>
-              <a:rPr lang="zh-CN" altLang="en-US" smtClean="0"/>
+              <a:rPr lang="zh-CN" altLang="en-US"/>
               <a:t>第五级</a:t>
             </a:r>
-            <a:endParaRPr lang="zh-CN" altLang="en-US"/>
           </a:p>
         </p:txBody>
       </p:sp>
@@ -763,7 +755,7 @@
           <a:p>
             <a:fld id="{040B7C12-11E1-412E-B2DA-388387B615FD}" type="datetimeFigureOut">
               <a:rPr lang="zh-CN" altLang="en-US" smtClean="0"/>
-              <a:t>2019/11/18</a:t>
+              <a:t>2019/11/30</a:t>
             </a:fld>
             <a:endParaRPr lang="zh-CN" altLang="en-US"/>
           </a:p>
@@ -821,13 +813,6 @@
   <p:clrMapOvr>
     <a:masterClrMapping/>
   </p:clrMapOvr>
-  <p:timing>
-    <p:tnLst>
-      <p:par>
-        <p:cTn id="1" dur="indefinite" restart="never" nodeType="tmRoot"/>
-      </p:par>
-    </p:tnLst>
-  </p:timing>
 </p:sldLayout>
 </file>
 
@@ -873,10 +858,9 @@
           </a:lstStyle>
           <a:p>
             <a:r>
-              <a:rPr lang="zh-CN" altLang="en-US" smtClean="0"/>
+              <a:rPr lang="zh-CN" altLang="en-US"/>
               <a:t>单击此处编辑母版标题样式</a:t>
             </a:r>
-            <a:endParaRPr lang="zh-CN" altLang="en-US"/>
           </a:p>
         </p:txBody>
       </p:sp>
@@ -993,7 +977,7 @@
           <a:p>
             <a:pPr lvl="0"/>
             <a:r>
-              <a:rPr lang="zh-CN" altLang="en-US" smtClean="0"/>
+              <a:rPr lang="zh-CN" altLang="en-US"/>
               <a:t>编辑母版文本样式</a:t>
             </a:r>
           </a:p>
@@ -1016,7 +1000,7 @@
           <a:p>
             <a:fld id="{040B7C12-11E1-412E-B2DA-388387B615FD}" type="datetimeFigureOut">
               <a:rPr lang="zh-CN" altLang="en-US" smtClean="0"/>
-              <a:t>2019/11/18</a:t>
+              <a:t>2019/11/30</a:t>
             </a:fld>
             <a:endParaRPr lang="zh-CN" altLang="en-US"/>
           </a:p>
@@ -1110,10 +1094,9 @@
           <a:lstStyle/>
           <a:p>
             <a:r>
-              <a:rPr lang="zh-CN" altLang="en-US" smtClean="0"/>
+              <a:rPr lang="zh-CN" altLang="en-US"/>
               <a:t>单击此处编辑母版标题样式</a:t>
             </a:r>
-            <a:endParaRPr lang="zh-CN" altLang="en-US"/>
           </a:p>
         </p:txBody>
       </p:sp>
@@ -1139,38 +1122,37 @@
           <a:p>
             <a:pPr lvl="0"/>
             <a:r>
-              <a:rPr lang="zh-CN" altLang="en-US" smtClean="0"/>
+              <a:rPr lang="zh-CN" altLang="en-US"/>
               <a:t>编辑母版文本样式</a:t>
             </a:r>
           </a:p>
           <a:p>
             <a:pPr lvl="1"/>
             <a:r>
-              <a:rPr lang="zh-CN" altLang="en-US" smtClean="0"/>
+              <a:rPr lang="zh-CN" altLang="en-US"/>
               <a:t>第二级</a:t>
             </a:r>
           </a:p>
           <a:p>
             <a:pPr lvl="2"/>
             <a:r>
-              <a:rPr lang="zh-CN" altLang="en-US" smtClean="0"/>
+              <a:rPr lang="zh-CN" altLang="en-US"/>
               <a:t>第三级</a:t>
             </a:r>
           </a:p>
           <a:p>
             <a:pPr lvl="3"/>
             <a:r>
-              <a:rPr lang="zh-CN" altLang="en-US" smtClean="0"/>
+              <a:rPr lang="zh-CN" altLang="en-US"/>
               <a:t>第四级</a:t>
             </a:r>
           </a:p>
           <a:p>
             <a:pPr lvl="4"/>
             <a:r>
-              <a:rPr lang="zh-CN" altLang="en-US" smtClean="0"/>
+              <a:rPr lang="zh-CN" altLang="en-US"/>
               <a:t>第五级</a:t>
             </a:r>
-            <a:endParaRPr lang="zh-CN" altLang="en-US"/>
           </a:p>
         </p:txBody>
       </p:sp>
@@ -1196,38 +1178,37 @@
           <a:p>
             <a:pPr lvl="0"/>
             <a:r>
-              <a:rPr lang="zh-CN" altLang="en-US" smtClean="0"/>
+              <a:rPr lang="zh-CN" altLang="en-US"/>
               <a:t>编辑母版文本样式</a:t>
             </a:r>
           </a:p>
           <a:p>
             <a:pPr lvl="1"/>
             <a:r>
-              <a:rPr lang="zh-CN" altLang="en-US" smtClean="0"/>
+              <a:rPr lang="zh-CN" altLang="en-US"/>
               <a:t>第二级</a:t>
             </a:r>
           </a:p>
           <a:p>
             <a:pPr lvl="2"/>
             <a:r>
-              <a:rPr lang="zh-CN" altLang="en-US" smtClean="0"/>
+              <a:rPr lang="zh-CN" altLang="en-US"/>
               <a:t>第三级</a:t>
             </a:r>
           </a:p>
           <a:p>
             <a:pPr lvl="3"/>
             <a:r>
-              <a:rPr lang="zh-CN" altLang="en-US" smtClean="0"/>
+              <a:rPr lang="zh-CN" altLang="en-US"/>
               <a:t>第四级</a:t>
             </a:r>
           </a:p>
           <a:p>
             <a:pPr lvl="4"/>
             <a:r>
-              <a:rPr lang="zh-CN" altLang="en-US" smtClean="0"/>
+              <a:rPr lang="zh-CN" altLang="en-US"/>
               <a:t>第五级</a:t>
             </a:r>
-            <a:endParaRPr lang="zh-CN" altLang="en-US"/>
           </a:p>
         </p:txBody>
       </p:sp>
@@ -1248,7 +1229,7 @@
           <a:p>
             <a:fld id="{040B7C12-11E1-412E-B2DA-388387B615FD}" type="datetimeFigureOut">
               <a:rPr lang="zh-CN" altLang="en-US" smtClean="0"/>
-              <a:t>2019/11/18</a:t>
+              <a:t>2019/11/30</a:t>
             </a:fld>
             <a:endParaRPr lang="zh-CN" altLang="en-US"/>
           </a:p>
@@ -1347,10 +1328,9 @@
           <a:lstStyle/>
           <a:p>
             <a:r>
-              <a:rPr lang="zh-CN" altLang="en-US" smtClean="0"/>
+              <a:rPr lang="zh-CN" altLang="en-US"/>
               <a:t>单击此处编辑母版标题样式</a:t>
             </a:r>
-            <a:endParaRPr lang="zh-CN" altLang="en-US"/>
           </a:p>
         </p:txBody>
       </p:sp>
@@ -1413,7 +1393,7 @@
           <a:p>
             <a:pPr lvl="0"/>
             <a:r>
-              <a:rPr lang="zh-CN" altLang="en-US" smtClean="0"/>
+              <a:rPr lang="zh-CN" altLang="en-US"/>
               <a:t>编辑母版文本样式</a:t>
             </a:r>
           </a:p>
@@ -1441,38 +1421,37 @@
           <a:p>
             <a:pPr lvl="0"/>
             <a:r>
-              <a:rPr lang="zh-CN" altLang="en-US" smtClean="0"/>
+              <a:rPr lang="zh-CN" altLang="en-US"/>
               <a:t>编辑母版文本样式</a:t>
             </a:r>
           </a:p>
           <a:p>
             <a:pPr lvl="1"/>
             <a:r>
-              <a:rPr lang="zh-CN" altLang="en-US" smtClean="0"/>
+              <a:rPr lang="zh-CN" altLang="en-US"/>
               <a:t>第二级</a:t>
             </a:r>
           </a:p>
           <a:p>
             <a:pPr lvl="2"/>
             <a:r>
-              <a:rPr lang="zh-CN" altLang="en-US" smtClean="0"/>
+              <a:rPr lang="zh-CN" altLang="en-US"/>
               <a:t>第三级</a:t>
             </a:r>
           </a:p>
           <a:p>
             <a:pPr lvl="3"/>
             <a:r>
-              <a:rPr lang="zh-CN" altLang="en-US" smtClean="0"/>
+              <a:rPr lang="zh-CN" altLang="en-US"/>
               <a:t>第四级</a:t>
             </a:r>
           </a:p>
           <a:p>
             <a:pPr lvl="4"/>
             <a:r>
-              <a:rPr lang="zh-CN" altLang="en-US" smtClean="0"/>
+              <a:rPr lang="zh-CN" altLang="en-US"/>
               <a:t>第五级</a:t>
             </a:r>
-            <a:endParaRPr lang="zh-CN" altLang="en-US"/>
           </a:p>
         </p:txBody>
       </p:sp>
@@ -1535,7 +1514,7 @@
           <a:p>
             <a:pPr lvl="0"/>
             <a:r>
-              <a:rPr lang="zh-CN" altLang="en-US" smtClean="0"/>
+              <a:rPr lang="zh-CN" altLang="en-US"/>
               <a:t>编辑母版文本样式</a:t>
             </a:r>
           </a:p>
@@ -1563,38 +1542,37 @@
           <a:p>
             <a:pPr lvl="0"/>
             <a:r>
-              <a:rPr lang="zh-CN" altLang="en-US" smtClean="0"/>
+              <a:rPr lang="zh-CN" altLang="en-US"/>
               <a:t>编辑母版文本样式</a:t>
             </a:r>
           </a:p>
           <a:p>
             <a:pPr lvl="1"/>
             <a:r>
-              <a:rPr lang="zh-CN" altLang="en-US" smtClean="0"/>
+              <a:rPr lang="zh-CN" altLang="en-US"/>
               <a:t>第二级</a:t>
             </a:r>
           </a:p>
           <a:p>
             <a:pPr lvl="2"/>
             <a:r>
-              <a:rPr lang="zh-CN" altLang="en-US" smtClean="0"/>
+              <a:rPr lang="zh-CN" altLang="en-US"/>
               <a:t>第三级</a:t>
             </a:r>
           </a:p>
           <a:p>
             <a:pPr lvl="3"/>
             <a:r>
-              <a:rPr lang="zh-CN" altLang="en-US" smtClean="0"/>
+              <a:rPr lang="zh-CN" altLang="en-US"/>
               <a:t>第四级</a:t>
             </a:r>
           </a:p>
           <a:p>
             <a:pPr lvl="4"/>
             <a:r>
-              <a:rPr lang="zh-CN" altLang="en-US" smtClean="0"/>
+              <a:rPr lang="zh-CN" altLang="en-US"/>
               <a:t>第五级</a:t>
             </a:r>
-            <a:endParaRPr lang="zh-CN" altLang="en-US"/>
           </a:p>
         </p:txBody>
       </p:sp>
@@ -1615,7 +1593,7 @@
           <a:p>
             <a:fld id="{040B7C12-11E1-412E-B2DA-388387B615FD}" type="datetimeFigureOut">
               <a:rPr lang="zh-CN" altLang="en-US" smtClean="0"/>
-              <a:t>2019/11/18</a:t>
+              <a:t>2019/11/30</a:t>
             </a:fld>
             <a:endParaRPr lang="zh-CN" altLang="en-US"/>
           </a:p>
@@ -1709,10 +1687,9 @@
           <a:lstStyle/>
           <a:p>
             <a:r>
-              <a:rPr lang="zh-CN" altLang="en-US" smtClean="0"/>
+              <a:rPr lang="zh-CN" altLang="en-US"/>
               <a:t>单击此处编辑母版标题样式</a:t>
             </a:r>
-            <a:endParaRPr lang="zh-CN" altLang="en-US"/>
           </a:p>
         </p:txBody>
       </p:sp>
@@ -1733,7 +1710,7 @@
           <a:p>
             <a:fld id="{040B7C12-11E1-412E-B2DA-388387B615FD}" type="datetimeFigureOut">
               <a:rPr lang="zh-CN" altLang="en-US" smtClean="0"/>
-              <a:t>2019/11/18</a:t>
+              <a:t>2019/11/30</a:t>
             </a:fld>
             <a:endParaRPr lang="zh-CN" altLang="en-US"/>
           </a:p>
@@ -1828,7 +1805,7 @@
           <a:p>
             <a:fld id="{040B7C12-11E1-412E-B2DA-388387B615FD}" type="datetimeFigureOut">
               <a:rPr lang="zh-CN" altLang="en-US" smtClean="0"/>
-              <a:t>2019/11/18</a:t>
+              <a:t>2019/11/30</a:t>
             </a:fld>
             <a:endParaRPr lang="zh-CN" altLang="en-US"/>
           </a:p>
@@ -1931,10 +1908,9 @@
           </a:lstStyle>
           <a:p>
             <a:r>
-              <a:rPr lang="zh-CN" altLang="en-US" smtClean="0"/>
+              <a:rPr lang="zh-CN" altLang="en-US"/>
               <a:t>单击此处编辑母版标题样式</a:t>
             </a:r>
-            <a:endParaRPr lang="zh-CN" altLang="en-US"/>
           </a:p>
         </p:txBody>
       </p:sp>
@@ -1988,38 +1964,37 @@
           <a:p>
             <a:pPr lvl="0"/>
             <a:r>
-              <a:rPr lang="zh-CN" altLang="en-US" smtClean="0"/>
+              <a:rPr lang="zh-CN" altLang="en-US"/>
               <a:t>编辑母版文本样式</a:t>
             </a:r>
           </a:p>
           <a:p>
             <a:pPr lvl="1"/>
             <a:r>
-              <a:rPr lang="zh-CN" altLang="en-US" smtClean="0"/>
+              <a:rPr lang="zh-CN" altLang="en-US"/>
               <a:t>第二级</a:t>
             </a:r>
           </a:p>
           <a:p>
             <a:pPr lvl="2"/>
             <a:r>
-              <a:rPr lang="zh-CN" altLang="en-US" smtClean="0"/>
+              <a:rPr lang="zh-CN" altLang="en-US"/>
               <a:t>第三级</a:t>
             </a:r>
           </a:p>
           <a:p>
             <a:pPr lvl="3"/>
             <a:r>
-              <a:rPr lang="zh-CN" altLang="en-US" smtClean="0"/>
+              <a:rPr lang="zh-CN" altLang="en-US"/>
               <a:t>第四级</a:t>
             </a:r>
           </a:p>
           <a:p>
             <a:pPr lvl="4"/>
             <a:r>
-              <a:rPr lang="zh-CN" altLang="en-US" smtClean="0"/>
+              <a:rPr lang="zh-CN" altLang="en-US"/>
               <a:t>第五级</a:t>
             </a:r>
-            <a:endParaRPr lang="zh-CN" altLang="en-US"/>
           </a:p>
         </p:txBody>
       </p:sp>
@@ -2082,7 +2057,7 @@
           <a:p>
             <a:pPr lvl="0"/>
             <a:r>
-              <a:rPr lang="zh-CN" altLang="en-US" smtClean="0"/>
+              <a:rPr lang="zh-CN" altLang="en-US"/>
               <a:t>编辑母版文本样式</a:t>
             </a:r>
           </a:p>
@@ -2105,7 +2080,7 @@
           <a:p>
             <a:fld id="{040B7C12-11E1-412E-B2DA-388387B615FD}" type="datetimeFigureOut">
               <a:rPr lang="zh-CN" altLang="en-US" smtClean="0"/>
-              <a:t>2019/11/18</a:t>
+              <a:t>2019/11/30</a:t>
             </a:fld>
             <a:endParaRPr lang="zh-CN" altLang="en-US"/>
           </a:p>
@@ -2208,10 +2183,9 @@
           </a:lstStyle>
           <a:p>
             <a:r>
-              <a:rPr lang="zh-CN" altLang="en-US" smtClean="0"/>
+              <a:rPr lang="zh-CN" altLang="en-US"/>
               <a:t>单击此处编辑母版标题样式</a:t>
             </a:r>
-            <a:endParaRPr lang="zh-CN" altLang="en-US"/>
           </a:p>
         </p:txBody>
       </p:sp>
@@ -2335,7 +2309,7 @@
           <a:p>
             <a:pPr lvl="0"/>
             <a:r>
-              <a:rPr lang="zh-CN" altLang="en-US" smtClean="0"/>
+              <a:rPr lang="zh-CN" altLang="en-US"/>
               <a:t>编辑母版文本样式</a:t>
             </a:r>
           </a:p>
@@ -2358,7 +2332,7 @@
           <a:p>
             <a:fld id="{040B7C12-11E1-412E-B2DA-388387B615FD}" type="datetimeFigureOut">
               <a:rPr lang="zh-CN" altLang="en-US" smtClean="0"/>
-              <a:t>2019/11/18</a:t>
+              <a:t>2019/11/30</a:t>
             </a:fld>
             <a:endParaRPr lang="zh-CN" altLang="en-US"/>
           </a:p>
@@ -2467,10 +2441,9 @@
           <a:lstStyle/>
           <a:p>
             <a:r>
-              <a:rPr lang="zh-CN" altLang="en-US" smtClean="0"/>
+              <a:rPr lang="zh-CN" altLang="en-US"/>
               <a:t>单击此处编辑母版标题样式</a:t>
             </a:r>
-            <a:endParaRPr lang="zh-CN" altLang="en-US"/>
           </a:p>
         </p:txBody>
       </p:sp>
@@ -2501,38 +2474,37 @@
           <a:p>
             <a:pPr lvl="0"/>
             <a:r>
-              <a:rPr lang="zh-CN" altLang="en-US" smtClean="0"/>
+              <a:rPr lang="zh-CN" altLang="en-US"/>
               <a:t>编辑母版文本样式</a:t>
             </a:r>
           </a:p>
           <a:p>
             <a:pPr lvl="1"/>
             <a:r>
-              <a:rPr lang="zh-CN" altLang="en-US" smtClean="0"/>
+              <a:rPr lang="zh-CN" altLang="en-US"/>
               <a:t>第二级</a:t>
             </a:r>
           </a:p>
           <a:p>
             <a:pPr lvl="2"/>
             <a:r>
-              <a:rPr lang="zh-CN" altLang="en-US" smtClean="0"/>
+              <a:rPr lang="zh-CN" altLang="en-US"/>
               <a:t>第三级</a:t>
             </a:r>
           </a:p>
           <a:p>
             <a:pPr lvl="3"/>
             <a:r>
-              <a:rPr lang="zh-CN" altLang="en-US" smtClean="0"/>
+              <a:rPr lang="zh-CN" altLang="en-US"/>
               <a:t>第四级</a:t>
             </a:r>
           </a:p>
           <a:p>
             <a:pPr lvl="4"/>
             <a:r>
-              <a:rPr lang="zh-CN" altLang="en-US" smtClean="0"/>
+              <a:rPr lang="zh-CN" altLang="en-US"/>
               <a:t>第五级</a:t>
             </a:r>
-            <a:endParaRPr lang="zh-CN" altLang="en-US"/>
           </a:p>
         </p:txBody>
       </p:sp>
@@ -2571,7 +2543,7 @@
           <a:p>
             <a:fld id="{040B7C12-11E1-412E-B2DA-388387B615FD}" type="datetimeFigureOut">
               <a:rPr lang="zh-CN" altLang="en-US" smtClean="0"/>
-              <a:t>2019/11/18</a:t>
+              <a:t>2019/11/30</a:t>
             </a:fld>
             <a:endParaRPr lang="zh-CN" altLang="en-US"/>
           </a:p>
@@ -3021,7 +2993,7 @@
           <a:p>
             <a:pPr algn="ctr"/>
             <a:r>
-              <a:rPr lang="en-US" altLang="zh-CN" sz="3200" dirty="0" smtClean="0">
+              <a:rPr lang="en-US" altLang="zh-CN" sz="3200" dirty="0">
                 <a:solidFill>
                   <a:sysClr val="windowText" lastClr="000000"/>
                 </a:solidFill>
@@ -3126,16 +3098,12 @@
           <a:lstStyle/>
           <a:p>
             <a:r>
-              <a:rPr lang="zh-CN" altLang="en-US" sz="3200" dirty="0" smtClean="0">
+              <a:rPr lang="zh-CN" altLang="en-US" sz="3200" dirty="0">
                 <a:latin typeface="Times New Roman" panose="02020603050405020304" pitchFamily="18" charset="0"/>
                 <a:cs typeface="Times New Roman" panose="02020603050405020304" pitchFamily="18" charset="0"/>
               </a:rPr>
               <a:t>parent1 </a:t>
             </a:r>
-            <a:endParaRPr lang="zh-CN" altLang="en-US" sz="3200" dirty="0">
-              <a:latin typeface="Times New Roman" panose="02020603050405020304" pitchFamily="18" charset="0"/>
-              <a:cs typeface="Times New Roman" panose="02020603050405020304" pitchFamily="18" charset="0"/>
-            </a:endParaRPr>
           </a:p>
         </p:txBody>
       </p:sp>
@@ -3161,30 +3129,26 @@
           <a:lstStyle/>
           <a:p>
             <a:r>
-              <a:rPr lang="zh-CN" altLang="en-US" sz="3200" dirty="0" smtClean="0">
+              <a:rPr lang="zh-CN" altLang="en-US" sz="3200" dirty="0">
                 <a:latin typeface="Times New Roman" panose="02020603050405020304" pitchFamily="18" charset="0"/>
                 <a:cs typeface="Times New Roman" panose="02020603050405020304" pitchFamily="18" charset="0"/>
               </a:rPr>
               <a:t>parent</a:t>
             </a:r>
             <a:r>
-              <a:rPr lang="en-US" altLang="zh-CN" sz="3200" dirty="0" smtClean="0">
+              <a:rPr lang="en-US" altLang="zh-CN" sz="3200" dirty="0">
                 <a:latin typeface="Times New Roman" panose="02020603050405020304" pitchFamily="18" charset="0"/>
                 <a:cs typeface="Times New Roman" panose="02020603050405020304" pitchFamily="18" charset="0"/>
               </a:rPr>
               <a:t>2</a:t>
             </a:r>
             <a:r>
-              <a:rPr lang="zh-CN" altLang="en-US" sz="3200" dirty="0" smtClean="0">
+              <a:rPr lang="zh-CN" altLang="en-US" sz="3200" dirty="0">
                 <a:latin typeface="Times New Roman" panose="02020603050405020304" pitchFamily="18" charset="0"/>
                 <a:cs typeface="Times New Roman" panose="02020603050405020304" pitchFamily="18" charset="0"/>
               </a:rPr>
               <a:t> </a:t>
             </a:r>
-            <a:endParaRPr lang="zh-CN" altLang="en-US" sz="3200" dirty="0">
-              <a:latin typeface="Times New Roman" panose="02020603050405020304" pitchFamily="18" charset="0"/>
-              <a:cs typeface="Times New Roman" panose="02020603050405020304" pitchFamily="18" charset="0"/>
-            </a:endParaRPr>
           </a:p>
         </p:txBody>
       </p:sp>
@@ -3553,7 +3517,7 @@
           <a:p>
             <a:pPr algn="ctr"/>
             <a:r>
-              <a:rPr lang="en-US" altLang="zh-CN" sz="3200" dirty="0" smtClean="0">
+              <a:rPr lang="en-US" altLang="zh-CN" sz="3200" dirty="0">
                 <a:solidFill>
                   <a:sysClr val="windowText" lastClr="000000"/>
                 </a:solidFill>
@@ -3937,7 +3901,7 @@
           <a:p>
             <a:pPr algn="ctr"/>
             <a:r>
-              <a:rPr lang="en-US" altLang="zh-CN" sz="3200" dirty="0" smtClean="0">
+              <a:rPr lang="en-US" altLang="zh-CN" sz="3200" dirty="0">
                 <a:solidFill>
                   <a:sysClr val="windowText" lastClr="000000"/>
                 </a:solidFill>
@@ -4093,7 +4057,7 @@
         <p:spPr>
           <a:xfrm>
             <a:off x="2795047" y="328284"/>
-            <a:ext cx="6215163" cy="584775"/>
+            <a:ext cx="6186502" cy="584775"/>
           </a:xfrm>
           <a:prstGeom prst="rect">
             <a:avLst/>
@@ -4110,24 +4074,17 @@
                 <a:latin typeface="Times New Roman" panose="02020603050405020304" pitchFamily="18" charset="0"/>
                 <a:cs typeface="Times New Roman" panose="02020603050405020304" pitchFamily="18" charset="0"/>
               </a:rPr>
-              <a:t>多</a:t>
-            </a:r>
-            <a:r>
-              <a:rPr lang="zh-CN" altLang="en-US" sz="3200" dirty="0" smtClean="0">
+              <a:t>两点交叉（</a:t>
+            </a:r>
+            <a:r>
+              <a:rPr lang="en-US" altLang="zh-CN" sz="3200" dirty="0">
                 <a:latin typeface="Times New Roman" panose="02020603050405020304" pitchFamily="18" charset="0"/>
                 <a:cs typeface="Times New Roman" panose="02020603050405020304" pitchFamily="18" charset="0"/>
               </a:rPr>
-              <a:t>点交叉（</a:t>
-            </a:r>
-            <a:r>
-              <a:rPr lang="en-US" altLang="zh-CN" sz="3200" dirty="0" smtClean="0">
-                <a:latin typeface="Times New Roman" panose="02020603050405020304" pitchFamily="18" charset="0"/>
-                <a:cs typeface="Times New Roman" panose="02020603050405020304" pitchFamily="18" charset="0"/>
-              </a:rPr>
-              <a:t>Multi-point crossover</a:t>
-            </a:r>
-            <a:r>
-              <a:rPr lang="zh-CN" altLang="en-US" sz="3200" dirty="0" smtClean="0">
+              <a:t>Two-points crossover</a:t>
+            </a:r>
+            <a:r>
+              <a:rPr lang="zh-CN" altLang="en-US" sz="3200" dirty="0">
                 <a:latin typeface="Times New Roman" panose="02020603050405020304" pitchFamily="18" charset="0"/>
                 <a:cs typeface="Times New Roman" panose="02020603050405020304" pitchFamily="18" charset="0"/>
               </a:rPr>
@@ -4196,23 +4153,12 @@
           <a:lstStyle/>
           <a:p>
             <a:r>
-              <a:rPr lang="zh-CN" altLang="en-US" sz="3200" dirty="0" smtClean="0">
+              <a:rPr lang="zh-CN" altLang="en-US" sz="3200" dirty="0">
                 <a:latin typeface="Times New Roman" panose="02020603050405020304" pitchFamily="18" charset="0"/>
                 <a:cs typeface="Times New Roman" panose="02020603050405020304" pitchFamily="18" charset="0"/>
               </a:rPr>
-              <a:t>随机</a:t>
-            </a:r>
-            <a:r>
-              <a:rPr lang="zh-CN" altLang="en-US" sz="3200" dirty="0" smtClean="0">
-                <a:latin typeface="Times New Roman" panose="02020603050405020304" pitchFamily="18" charset="0"/>
-                <a:cs typeface="Times New Roman" panose="02020603050405020304" pitchFamily="18" charset="0"/>
-              </a:rPr>
-              <a:t>选择起点和终点</a:t>
-            </a:r>
-            <a:endParaRPr lang="zh-CN" altLang="en-US" sz="3200" dirty="0" smtClean="0">
-              <a:latin typeface="Times New Roman" panose="02020603050405020304" pitchFamily="18" charset="0"/>
-              <a:cs typeface="Times New Roman" panose="02020603050405020304" pitchFamily="18" charset="0"/>
-            </a:endParaRPr>
+              <a:t>随机选择起点和终点</a:t>
+            </a:r>
           </a:p>
         </p:txBody>
       </p:sp>
